--- a/与中间件通讯汇报.pptx
+++ b/与中间件通讯汇报.pptx
@@ -12,10 +12,10 @@
     <p:sldMasterId id="2147483652" r:id="rId8"/>
   </p:sldMasterIdLst>
   <p:notesMasterIdLst>
-    <p:notesMasterId r:id="rId15"/>
+    <p:notesMasterId r:id="rId17"/>
   </p:notesMasterIdLst>
   <p:handoutMasterIdLst>
-    <p:handoutMasterId r:id="rId16"/>
+    <p:handoutMasterId r:id="rId18"/>
   </p:handoutMasterIdLst>
   <p:sldIdLst>
     <p:sldId id="256" r:id="rId9"/>
@@ -23,7 +23,9 @@
     <p:sldId id="261" r:id="rId11"/>
     <p:sldId id="260" r:id="rId12"/>
     <p:sldId id="275" r:id="rId13"/>
-    <p:sldId id="274" r:id="rId14"/>
+    <p:sldId id="276" r:id="rId14"/>
+    <p:sldId id="277" r:id="rId15"/>
+    <p:sldId id="274" r:id="rId16"/>
   </p:sldIdLst>
   <p:sldSz cx="12192000" cy="6858000"/>
   <p:notesSz cx="6858000" cy="9144000"/>
@@ -227,7 +229,7 @@
           <a:p>
             <a:fld id="{1242B2A6-687D-4A53-A35E-1AAC8ED55F95}" type="datetimeFigureOut">
               <a:rPr lang="zh-CN" altLang="en-US" smtClean="0"/>
-              <a:t>2025/11/12</a:t>
+              <a:t>2025/12/19</a:t>
             </a:fld>
             <a:endParaRPr lang="zh-CN" altLang="en-US"/>
           </a:p>
@@ -404,7 +406,7 @@
           <a:p>
             <a:fld id="{07A347CE-02F8-465D-8E96-ED6DDB1E3F7A}" type="datetimeFigureOut">
               <a:rPr lang="zh-CN" altLang="en-US" smtClean="0"/>
-              <a:t>2025/11/12</a:t>
+              <a:t>2025/12/19</a:t>
             </a:fld>
             <a:endParaRPr lang="zh-CN" altLang="en-US"/>
           </a:p>
@@ -27368,6 +27370,638 @@
 </file>
 
 <file path=ppt/slides/slide6.xml><?xml version="1.0" encoding="utf-8"?>
+<p:sld xmlns:a="http://schemas.openxmlformats.org/drawingml/2006/main" xmlns:r="http://schemas.openxmlformats.org/officeDocument/2006/relationships" xmlns:p="http://schemas.openxmlformats.org/presentationml/2006/main">
+  <p:cSld>
+    <p:spTree>
+      <p:nvGrpSpPr>
+        <p:cNvPr id="1" name=""/>
+        <p:cNvGrpSpPr/>
+        <p:nvPr/>
+      </p:nvGrpSpPr>
+      <p:grpSpPr>
+        <a:xfrm>
+          <a:off x="0" y="0"/>
+          <a:ext cx="0" cy="0"/>
+          <a:chOff x="0" y="0"/>
+          <a:chExt cx="0" cy="0"/>
+        </a:xfrm>
+      </p:grpSpPr>
+      <p:sp>
+        <p:nvSpPr>
+          <p:cNvPr id="2" name="标题 1">
+            <a:extLst>
+              <a:ext uri="{FF2B5EF4-FFF2-40B4-BE49-F238E27FC236}">
+                <a16:creationId xmlns:a16="http://schemas.microsoft.com/office/drawing/2014/main" id="{CBA868DE-24BE-443F-9D68-F57655A91A2E}"/>
+              </a:ext>
+            </a:extLst>
+          </p:cNvPr>
+          <p:cNvSpPr>
+            <a:spLocks noGrp="1"/>
+          </p:cNvSpPr>
+          <p:nvPr>
+            <p:ph type="title"/>
+          </p:nvPr>
+        </p:nvSpPr>
+        <p:spPr>
+          <a:xfrm>
+            <a:off x="0" y="40705"/>
+            <a:ext cx="4267200" cy="647437"/>
+          </a:xfrm>
+        </p:spPr>
+        <p:txBody>
+          <a:bodyPr/>
+          <a:lstStyle/>
+          <a:p>
+            <a:r>
+              <a:rPr lang="zh-CN" altLang="en-US" dirty="0">
+                <a:solidFill>
+                  <a:srgbClr val="002060"/>
+                </a:solidFill>
+                <a:effectLst>
+                  <a:glow rad="63500">
+                    <a:schemeClr val="bg1"/>
+                  </a:glow>
+                </a:effectLst>
+                <a:cs typeface="Arial" panose="020B0604020202020204" pitchFamily="34" charset="0"/>
+              </a:rPr>
+              <a:t>双轴伺服控制系统模型</a:t>
+            </a:r>
+            <a:endParaRPr lang="zh-CN" altLang="en-US" dirty="0"/>
+          </a:p>
+        </p:txBody>
+      </p:sp>
+      <p:sp>
+        <p:nvSpPr>
+          <p:cNvPr id="3" name="文本占位符 2">
+            <a:extLst>
+              <a:ext uri="{FF2B5EF4-FFF2-40B4-BE49-F238E27FC236}">
+                <a16:creationId xmlns:a16="http://schemas.microsoft.com/office/drawing/2014/main" id="{A5FDDE30-7CF0-49CF-AE9E-4409D4E722ED}"/>
+              </a:ext>
+            </a:extLst>
+          </p:cNvPr>
+          <p:cNvSpPr>
+            <a:spLocks noGrp="1"/>
+          </p:cNvSpPr>
+          <p:nvPr>
+            <p:ph type="body" sz="quarter" idx="10"/>
+          </p:nvPr>
+        </p:nvSpPr>
+        <p:spPr>
+          <a:xfrm>
+            <a:off x="4613268" y="133590"/>
+            <a:ext cx="4632332" cy="461665"/>
+          </a:xfrm>
+        </p:spPr>
+        <p:txBody>
+          <a:bodyPr/>
+          <a:lstStyle/>
+          <a:p>
+            <a:r>
+              <a:rPr lang="zh-CN" altLang="en-US" dirty="0"/>
+              <a:t>通过函数的形式实现</a:t>
+            </a:r>
+            <a:r>
+              <a:rPr lang="en-US" altLang="zh-CN" dirty="0"/>
+              <a:t>UDP</a:t>
+            </a:r>
+            <a:r>
+              <a:rPr lang="zh-CN" altLang="en-US" dirty="0"/>
+              <a:t>通讯</a:t>
+            </a:r>
+          </a:p>
+        </p:txBody>
+      </p:sp>
+      <p:sp>
+        <p:nvSpPr>
+          <p:cNvPr id="8" name="矩形 7">
+            <a:extLst>
+              <a:ext uri="{FF2B5EF4-FFF2-40B4-BE49-F238E27FC236}">
+                <a16:creationId xmlns:a16="http://schemas.microsoft.com/office/drawing/2014/main" id="{17D22B84-F448-49A8-8CA4-B1E12C6653C6}"/>
+              </a:ext>
+            </a:extLst>
+          </p:cNvPr>
+          <p:cNvSpPr/>
+          <p:nvPr/>
+        </p:nvSpPr>
+        <p:spPr>
+          <a:xfrm>
+            <a:off x="340106" y="746036"/>
+            <a:ext cx="11493500" cy="2634054"/>
+          </a:xfrm>
+          <a:prstGeom prst="rect">
+            <a:avLst/>
+          </a:prstGeom>
+        </p:spPr>
+        <p:txBody>
+          <a:bodyPr wrap="square">
+            <a:spAutoFit/>
+          </a:bodyPr>
+          <a:lstStyle/>
+          <a:p>
+            <a:pPr algn="just">
+              <a:lnSpc>
+                <a:spcPct val="150000"/>
+              </a:lnSpc>
+            </a:pPr>
+            <a:r>
+              <a:rPr lang="zh-CN" altLang="en-US" sz="2400" b="1" dirty="0">
+                <a:latin typeface="Times New Roman" panose="02020603050405020304" pitchFamily="18" charset="0"/>
+                <a:ea typeface="微软雅黑" panose="020B0503020204020204" pitchFamily="34" charset="-122"/>
+                <a:cs typeface="Times New Roman" panose="02020603050405020304" pitchFamily="18" charset="0"/>
+              </a:rPr>
+              <a:t>为什么使用函数</a:t>
+            </a:r>
+            <a:endParaRPr lang="en-US" altLang="zh-CN" sz="2400" b="1" dirty="0">
+              <a:latin typeface="Times New Roman" panose="02020603050405020304" pitchFamily="18" charset="0"/>
+              <a:ea typeface="微软雅黑" panose="020B0503020204020204" pitchFamily="34" charset="-122"/>
+              <a:cs typeface="Times New Roman" panose="02020603050405020304" pitchFamily="18" charset="0"/>
+            </a:endParaRPr>
+          </a:p>
+          <a:p>
+            <a:pPr algn="just">
+              <a:lnSpc>
+                <a:spcPct val="150000"/>
+              </a:lnSpc>
+            </a:pPr>
+            <a:r>
+              <a:rPr lang="zh-CN" altLang="en-US" sz="1600" dirty="0">
+                <a:latin typeface="Times New Roman" panose="02020603050405020304" pitchFamily="18" charset="0"/>
+                <a:ea typeface="微软雅黑" panose="020B0503020204020204" pitchFamily="34" charset="-122"/>
+                <a:cs typeface="Times New Roman" panose="02020603050405020304" pitchFamily="18" charset="0"/>
+              </a:rPr>
+              <a:t>由于</a:t>
+            </a:r>
+            <a:r>
+              <a:rPr lang="en-US" altLang="zh-CN" sz="1600" dirty="0">
+                <a:latin typeface="Times New Roman" panose="02020603050405020304" pitchFamily="18" charset="0"/>
+                <a:ea typeface="微软雅黑" panose="020B0503020204020204" pitchFamily="34" charset="-122"/>
+                <a:cs typeface="Times New Roman" panose="02020603050405020304" pitchFamily="18" charset="0"/>
+              </a:rPr>
+              <a:t>Linux</a:t>
+            </a:r>
+            <a:r>
+              <a:rPr lang="zh-CN" altLang="en-US" sz="1600" dirty="0">
+                <a:latin typeface="Times New Roman" panose="02020603050405020304" pitchFamily="18" charset="0"/>
+                <a:ea typeface="微软雅黑" panose="020B0503020204020204" pitchFamily="34" charset="-122"/>
+                <a:cs typeface="Times New Roman" panose="02020603050405020304" pitchFamily="18" charset="0"/>
+              </a:rPr>
+              <a:t>系统中对现有</a:t>
+            </a:r>
+            <a:r>
+              <a:rPr lang="en-US" altLang="zh-CN" sz="1600" dirty="0" err="1">
+                <a:latin typeface="Times New Roman" panose="02020603050405020304" pitchFamily="18" charset="0"/>
+                <a:ea typeface="微软雅黑" panose="020B0503020204020204" pitchFamily="34" charset="-122"/>
+                <a:cs typeface="Times New Roman" panose="02020603050405020304" pitchFamily="18" charset="0"/>
+              </a:rPr>
+              <a:t>modelica</a:t>
+            </a:r>
+            <a:r>
+              <a:rPr lang="zh-CN" altLang="en-US" sz="1600" dirty="0">
+                <a:latin typeface="Times New Roman" panose="02020603050405020304" pitchFamily="18" charset="0"/>
+                <a:ea typeface="微软雅黑" panose="020B0503020204020204" pitchFamily="34" charset="-122"/>
+                <a:cs typeface="Times New Roman" panose="02020603050405020304" pitchFamily="18" charset="0"/>
+              </a:rPr>
+              <a:t>模型库支持不全，无法通过现有模型直接实现</a:t>
+            </a:r>
+            <a:r>
+              <a:rPr lang="en-US" altLang="zh-CN" sz="1600" dirty="0">
+                <a:latin typeface="Times New Roman" panose="02020603050405020304" pitchFamily="18" charset="0"/>
+                <a:ea typeface="微软雅黑" panose="020B0503020204020204" pitchFamily="34" charset="-122"/>
+                <a:cs typeface="Times New Roman" panose="02020603050405020304" pitchFamily="18" charset="0"/>
+              </a:rPr>
+              <a:t>UDP</a:t>
+            </a:r>
+            <a:r>
+              <a:rPr lang="zh-CN" altLang="en-US" sz="1600" dirty="0">
+                <a:latin typeface="Times New Roman" panose="02020603050405020304" pitchFamily="18" charset="0"/>
+                <a:ea typeface="微软雅黑" panose="020B0503020204020204" pitchFamily="34" charset="-122"/>
+                <a:cs typeface="Times New Roman" panose="02020603050405020304" pitchFamily="18" charset="0"/>
+              </a:rPr>
+              <a:t>通讯。故参照写入文件的实现形式，通过</a:t>
+            </a:r>
+            <a:r>
+              <a:rPr lang="en-US" altLang="zh-CN" sz="1600" dirty="0" err="1">
+                <a:latin typeface="Times New Roman" panose="02020603050405020304" pitchFamily="18" charset="0"/>
+                <a:ea typeface="微软雅黑" panose="020B0503020204020204" pitchFamily="34" charset="-122"/>
+                <a:cs typeface="Times New Roman" panose="02020603050405020304" pitchFamily="18" charset="0"/>
+              </a:rPr>
+              <a:t>syslab.function</a:t>
+            </a:r>
+            <a:r>
+              <a:rPr lang="zh-CN" altLang="en-US" sz="1600" dirty="0">
+                <a:latin typeface="Times New Roman" panose="02020603050405020304" pitchFamily="18" charset="0"/>
+                <a:ea typeface="微软雅黑" panose="020B0503020204020204" pitchFamily="34" charset="-122"/>
+                <a:cs typeface="Times New Roman" panose="02020603050405020304" pitchFamily="18" charset="0"/>
+              </a:rPr>
+              <a:t>模块在</a:t>
+            </a:r>
+            <a:r>
+              <a:rPr lang="en-US" altLang="zh-CN" sz="1600" dirty="0" err="1">
+                <a:latin typeface="Times New Roman" panose="02020603050405020304" pitchFamily="18" charset="0"/>
+                <a:ea typeface="微软雅黑" panose="020B0503020204020204" pitchFamily="34" charset="-122"/>
+                <a:cs typeface="Times New Roman" panose="02020603050405020304" pitchFamily="18" charset="0"/>
+              </a:rPr>
+              <a:t>syslab</a:t>
+            </a:r>
+            <a:r>
+              <a:rPr lang="zh-CN" altLang="en-US" sz="1600" dirty="0">
+                <a:latin typeface="Times New Roman" panose="02020603050405020304" pitchFamily="18" charset="0"/>
+                <a:ea typeface="微软雅黑" panose="020B0503020204020204" pitchFamily="34" charset="-122"/>
+                <a:cs typeface="Times New Roman" panose="02020603050405020304" pitchFamily="18" charset="0"/>
+              </a:rPr>
+              <a:t>上基于</a:t>
+            </a:r>
+            <a:r>
+              <a:rPr lang="en-US" altLang="zh-CN" sz="1600" dirty="0">
+                <a:latin typeface="Times New Roman" panose="02020603050405020304" pitchFamily="18" charset="0"/>
+                <a:ea typeface="微软雅黑" panose="020B0503020204020204" pitchFamily="34" charset="-122"/>
+                <a:cs typeface="Times New Roman" panose="02020603050405020304" pitchFamily="18" charset="0"/>
+              </a:rPr>
+              <a:t>Julia</a:t>
+            </a:r>
+            <a:r>
+              <a:rPr lang="zh-CN" altLang="en-US" sz="1600" dirty="0">
+                <a:latin typeface="Times New Roman" panose="02020603050405020304" pitchFamily="18" charset="0"/>
+                <a:ea typeface="微软雅黑" panose="020B0503020204020204" pitchFamily="34" charset="-122"/>
+                <a:cs typeface="Times New Roman" panose="02020603050405020304" pitchFamily="18" charset="0"/>
+              </a:rPr>
+              <a:t>语言编写实现程序，经验证可以实现与模型库相同的效果，同时实现对打包内容和打包方式的改进。</a:t>
+            </a:r>
+            <a:endParaRPr lang="en-US" altLang="zh-CN" sz="1600" dirty="0">
+              <a:latin typeface="Times New Roman" panose="02020603050405020304" pitchFamily="18" charset="0"/>
+              <a:ea typeface="微软雅黑" panose="020B0503020204020204" pitchFamily="34" charset="-122"/>
+              <a:cs typeface="Times New Roman" panose="02020603050405020304" pitchFamily="18" charset="0"/>
+            </a:endParaRPr>
+          </a:p>
+          <a:p>
+            <a:pPr algn="just">
+              <a:lnSpc>
+                <a:spcPct val="150000"/>
+              </a:lnSpc>
+            </a:pPr>
+            <a:r>
+              <a:rPr lang="zh-CN" altLang="en-US" sz="2400" b="1" dirty="0">
+                <a:latin typeface="Times New Roman" panose="02020603050405020304" pitchFamily="18" charset="0"/>
+                <a:ea typeface="微软雅黑" panose="020B0503020204020204" pitchFamily="34" charset="-122"/>
+                <a:cs typeface="Times New Roman" panose="02020603050405020304" pitchFamily="18" charset="0"/>
+              </a:rPr>
+              <a:t>传输内容的打包模式</a:t>
+            </a:r>
+            <a:endParaRPr lang="en-US" altLang="zh-CN" sz="2400" b="1" dirty="0">
+              <a:latin typeface="Times New Roman" panose="02020603050405020304" pitchFamily="18" charset="0"/>
+              <a:ea typeface="微软雅黑" panose="020B0503020204020204" pitchFamily="34" charset="-122"/>
+              <a:cs typeface="Times New Roman" panose="02020603050405020304" pitchFamily="18" charset="0"/>
+            </a:endParaRPr>
+          </a:p>
+          <a:p>
+            <a:pPr algn="just">
+              <a:lnSpc>
+                <a:spcPct val="150000"/>
+              </a:lnSpc>
+            </a:pPr>
+            <a:r>
+              <a:rPr lang="zh-CN" altLang="en-US" sz="1600" dirty="0">
+                <a:latin typeface="Times New Roman" panose="02020603050405020304" pitchFamily="18" charset="0"/>
+                <a:ea typeface="微软雅黑" panose="020B0503020204020204" pitchFamily="34" charset="-122"/>
+                <a:cs typeface="Times New Roman" panose="02020603050405020304" pitchFamily="18" charset="0"/>
+              </a:rPr>
+              <a:t>改进为了更好的传输内容抓取，打包方式改为较为通用的二进制打包，时间戳位于固定位置，便于读取和理解数据。</a:t>
+            </a:r>
+            <a:endParaRPr lang="en-US" altLang="zh-CN" sz="1600" dirty="0">
+              <a:latin typeface="Times New Roman" panose="02020603050405020304" pitchFamily="18" charset="0"/>
+              <a:ea typeface="微软雅黑" panose="020B0503020204020204" pitchFamily="34" charset="-122"/>
+              <a:cs typeface="Times New Roman" panose="02020603050405020304" pitchFamily="18" charset="0"/>
+            </a:endParaRPr>
+          </a:p>
+        </p:txBody>
+      </p:sp>
+      <p:pic>
+        <p:nvPicPr>
+          <p:cNvPr id="5" name="图片 4">
+            <a:extLst>
+              <a:ext uri="{FF2B5EF4-FFF2-40B4-BE49-F238E27FC236}">
+                <a16:creationId xmlns:a16="http://schemas.microsoft.com/office/drawing/2014/main" id="{BA13D26F-9B73-46F0-85F5-4FC28F015CF1}"/>
+              </a:ext>
+            </a:extLst>
+          </p:cNvPr>
+          <p:cNvPicPr>
+            <a:picLocks noChangeAspect="1"/>
+          </p:cNvPicPr>
+          <p:nvPr/>
+        </p:nvPicPr>
+        <p:blipFill>
+          <a:blip r:embed="rId2">
+            <a:extLst>
+              <a:ext uri="{28A0092B-C50C-407E-A947-70E740481C1C}">
+                <a14:useLocalDpi xmlns:a14="http://schemas.microsoft.com/office/drawing/2010/main" val="0"/>
+              </a:ext>
+            </a:extLst>
+          </a:blip>
+          <a:stretch>
+            <a:fillRect/>
+          </a:stretch>
+        </p:blipFill>
+        <p:spPr>
+          <a:xfrm>
+            <a:off x="340106" y="3530871"/>
+            <a:ext cx="5010150" cy="2533650"/>
+          </a:xfrm>
+          <a:prstGeom prst="rect">
+            <a:avLst/>
+          </a:prstGeom>
+        </p:spPr>
+      </p:pic>
+      <p:pic>
+        <p:nvPicPr>
+          <p:cNvPr id="7" name="图片 6">
+            <a:extLst>
+              <a:ext uri="{FF2B5EF4-FFF2-40B4-BE49-F238E27FC236}">
+                <a16:creationId xmlns:a16="http://schemas.microsoft.com/office/drawing/2014/main" id="{DA93A881-E6EF-4ED9-9F5A-B23EA6DAC0D0}"/>
+              </a:ext>
+            </a:extLst>
+          </p:cNvPr>
+          <p:cNvPicPr>
+            <a:picLocks noChangeAspect="1"/>
+          </p:cNvPicPr>
+          <p:nvPr/>
+        </p:nvPicPr>
+        <p:blipFill rotWithShape="1">
+          <a:blip r:embed="rId3">
+            <a:extLst>
+              <a:ext uri="{28A0092B-C50C-407E-A947-70E740481C1C}">
+                <a14:useLocalDpi xmlns:a14="http://schemas.microsoft.com/office/drawing/2010/main" val="0"/>
+              </a:ext>
+            </a:extLst>
+          </a:blip>
+          <a:srcRect b="33842"/>
+          <a:stretch/>
+        </p:blipFill>
+        <p:spPr>
+          <a:xfrm>
+            <a:off x="6086856" y="3429000"/>
+            <a:ext cx="5001709" cy="2684431"/>
+          </a:xfrm>
+          <a:prstGeom prst="rect">
+            <a:avLst/>
+          </a:prstGeom>
+        </p:spPr>
+      </p:pic>
+    </p:spTree>
+    <p:extLst>
+      <p:ext uri="{BB962C8B-B14F-4D97-AF65-F5344CB8AC3E}">
+        <p14:creationId xmlns:p14="http://schemas.microsoft.com/office/powerpoint/2010/main" val="3308162554"/>
+      </p:ext>
+    </p:extLst>
+  </p:cSld>
+  <p:clrMapOvr>
+    <a:masterClrMapping/>
+  </p:clrMapOvr>
+</p:sld>
+</file>
+
+<file path=ppt/slides/slide7.xml><?xml version="1.0" encoding="utf-8"?>
+<p:sld xmlns:a="http://schemas.openxmlformats.org/drawingml/2006/main" xmlns:r="http://schemas.openxmlformats.org/officeDocument/2006/relationships" xmlns:p="http://schemas.openxmlformats.org/presentationml/2006/main">
+  <p:cSld>
+    <p:spTree>
+      <p:nvGrpSpPr>
+        <p:cNvPr id="1" name=""/>
+        <p:cNvGrpSpPr/>
+        <p:nvPr/>
+      </p:nvGrpSpPr>
+      <p:grpSpPr>
+        <a:xfrm>
+          <a:off x="0" y="0"/>
+          <a:ext cx="0" cy="0"/>
+          <a:chOff x="0" y="0"/>
+          <a:chExt cx="0" cy="0"/>
+        </a:xfrm>
+      </p:grpSpPr>
+      <p:sp>
+        <p:nvSpPr>
+          <p:cNvPr id="2" name="标题 1">
+            <a:extLst>
+              <a:ext uri="{FF2B5EF4-FFF2-40B4-BE49-F238E27FC236}">
+                <a16:creationId xmlns:a16="http://schemas.microsoft.com/office/drawing/2014/main" id="{CBA868DE-24BE-443F-9D68-F57655A91A2E}"/>
+              </a:ext>
+            </a:extLst>
+          </p:cNvPr>
+          <p:cNvSpPr>
+            <a:spLocks noGrp="1"/>
+          </p:cNvSpPr>
+          <p:nvPr>
+            <p:ph type="title"/>
+          </p:nvPr>
+        </p:nvSpPr>
+        <p:spPr>
+          <a:xfrm>
+            <a:off x="0" y="40705"/>
+            <a:ext cx="4267200" cy="647437"/>
+          </a:xfrm>
+        </p:spPr>
+        <p:txBody>
+          <a:bodyPr/>
+          <a:lstStyle/>
+          <a:p>
+            <a:r>
+              <a:rPr lang="zh-CN" altLang="en-US" dirty="0">
+                <a:solidFill>
+                  <a:srgbClr val="002060"/>
+                </a:solidFill>
+                <a:effectLst>
+                  <a:glow rad="63500">
+                    <a:schemeClr val="bg1"/>
+                  </a:glow>
+                </a:effectLst>
+                <a:cs typeface="Arial" panose="020B0604020202020204" pitchFamily="34" charset="0"/>
+              </a:rPr>
+              <a:t>双轴伺服控制系统模型</a:t>
+            </a:r>
+            <a:endParaRPr lang="zh-CN" altLang="en-US" dirty="0"/>
+          </a:p>
+        </p:txBody>
+      </p:sp>
+      <p:sp>
+        <p:nvSpPr>
+          <p:cNvPr id="3" name="文本占位符 2">
+            <a:extLst>
+              <a:ext uri="{FF2B5EF4-FFF2-40B4-BE49-F238E27FC236}">
+                <a16:creationId xmlns:a16="http://schemas.microsoft.com/office/drawing/2014/main" id="{A5FDDE30-7CF0-49CF-AE9E-4409D4E722ED}"/>
+              </a:ext>
+            </a:extLst>
+          </p:cNvPr>
+          <p:cNvSpPr>
+            <a:spLocks noGrp="1"/>
+          </p:cNvSpPr>
+          <p:nvPr>
+            <p:ph type="body" sz="quarter" idx="10"/>
+          </p:nvPr>
+        </p:nvSpPr>
+        <p:spPr>
+          <a:xfrm>
+            <a:off x="4613268" y="133590"/>
+            <a:ext cx="4632332" cy="461665"/>
+          </a:xfrm>
+        </p:spPr>
+        <p:txBody>
+          <a:bodyPr/>
+          <a:lstStyle/>
+          <a:p>
+            <a:r>
+              <a:rPr lang="zh-CN" altLang="en-US" dirty="0"/>
+              <a:t>将</a:t>
+            </a:r>
+            <a:r>
+              <a:rPr lang="en-US" altLang="zh-CN" dirty="0"/>
+              <a:t>ATP</a:t>
+            </a:r>
+            <a:r>
+              <a:rPr lang="zh-CN" altLang="en-US" dirty="0"/>
+              <a:t>模型运行在</a:t>
+            </a:r>
+            <a:r>
+              <a:rPr lang="en-US" altLang="zh-CN" dirty="0"/>
+              <a:t>Linux</a:t>
+            </a:r>
+            <a:r>
+              <a:rPr lang="zh-CN" altLang="en-US" dirty="0"/>
+              <a:t>系统上</a:t>
+            </a:r>
+          </a:p>
+        </p:txBody>
+      </p:sp>
+      <p:sp>
+        <p:nvSpPr>
+          <p:cNvPr id="8" name="矩形 7">
+            <a:extLst>
+              <a:ext uri="{FF2B5EF4-FFF2-40B4-BE49-F238E27FC236}">
+                <a16:creationId xmlns:a16="http://schemas.microsoft.com/office/drawing/2014/main" id="{17D22B84-F448-49A8-8CA4-B1E12C6653C6}"/>
+              </a:ext>
+            </a:extLst>
+          </p:cNvPr>
+          <p:cNvSpPr/>
+          <p:nvPr/>
+        </p:nvSpPr>
+        <p:spPr>
+          <a:xfrm>
+            <a:off x="340106" y="746036"/>
+            <a:ext cx="11493500" cy="1341393"/>
+          </a:xfrm>
+          <a:prstGeom prst="rect">
+            <a:avLst/>
+          </a:prstGeom>
+        </p:spPr>
+        <p:txBody>
+          <a:bodyPr wrap="square">
+            <a:spAutoFit/>
+          </a:bodyPr>
+          <a:lstStyle/>
+          <a:p>
+            <a:pPr algn="just">
+              <a:lnSpc>
+                <a:spcPct val="150000"/>
+              </a:lnSpc>
+            </a:pPr>
+            <a:r>
+              <a:rPr lang="zh-CN" altLang="en-US" sz="2400" b="1" dirty="0">
+                <a:latin typeface="Times New Roman" panose="02020603050405020304" pitchFamily="18" charset="0"/>
+                <a:ea typeface="微软雅黑" panose="020B0503020204020204" pitchFamily="34" charset="-122"/>
+                <a:cs typeface="Times New Roman" panose="02020603050405020304" pitchFamily="18" charset="0"/>
+              </a:rPr>
+              <a:t>传输内容的验证</a:t>
+            </a:r>
+            <a:endParaRPr lang="en-US" altLang="zh-CN" sz="2400" b="1" dirty="0">
+              <a:latin typeface="Times New Roman" panose="02020603050405020304" pitchFamily="18" charset="0"/>
+              <a:ea typeface="微软雅黑" panose="020B0503020204020204" pitchFamily="34" charset="-122"/>
+              <a:cs typeface="Times New Roman" panose="02020603050405020304" pitchFamily="18" charset="0"/>
+            </a:endParaRPr>
+          </a:p>
+          <a:p>
+            <a:pPr algn="just">
+              <a:lnSpc>
+                <a:spcPct val="150000"/>
+              </a:lnSpc>
+            </a:pPr>
+            <a:r>
+              <a:rPr lang="zh-CN" altLang="en-US" sz="1600" dirty="0">
+                <a:latin typeface="Times New Roman" panose="02020603050405020304" pitchFamily="18" charset="0"/>
+                <a:ea typeface="微软雅黑" panose="020B0503020204020204" pitchFamily="34" charset="-122"/>
+                <a:cs typeface="Times New Roman" panose="02020603050405020304" pitchFamily="18" charset="0"/>
+              </a:rPr>
+              <a:t>由于传输使用二进制打包数据传输，故需要相对的解码方式转换已打包的传输内容。基于</a:t>
+            </a:r>
+            <a:r>
+              <a:rPr lang="en-US" altLang="zh-CN" sz="1600" dirty="0">
+                <a:latin typeface="Times New Roman" panose="02020603050405020304" pitchFamily="18" charset="0"/>
+                <a:ea typeface="微软雅黑" panose="020B0503020204020204" pitchFamily="34" charset="-122"/>
+                <a:cs typeface="Times New Roman" panose="02020603050405020304" pitchFamily="18" charset="0"/>
+              </a:rPr>
+              <a:t>python</a:t>
+            </a:r>
+            <a:r>
+              <a:rPr lang="zh-CN" altLang="en-US" sz="1600" dirty="0">
+                <a:latin typeface="Times New Roman" panose="02020603050405020304" pitchFamily="18" charset="0"/>
+                <a:ea typeface="微软雅黑" panose="020B0503020204020204" pitchFamily="34" charset="-122"/>
+                <a:cs typeface="Times New Roman" panose="02020603050405020304" pitchFamily="18" charset="0"/>
+              </a:rPr>
+              <a:t>语言编写一段数据接收并解码程序来实现数据抓取并解码。</a:t>
+            </a:r>
+            <a:endParaRPr lang="en-US" altLang="zh-CN" sz="1600" dirty="0">
+              <a:latin typeface="Times New Roman" panose="02020603050405020304" pitchFamily="18" charset="0"/>
+              <a:ea typeface="微软雅黑" panose="020B0503020204020204" pitchFamily="34" charset="-122"/>
+              <a:cs typeface="Times New Roman" panose="02020603050405020304" pitchFamily="18" charset="0"/>
+            </a:endParaRPr>
+          </a:p>
+        </p:txBody>
+      </p:sp>
+      <p:pic>
+        <p:nvPicPr>
+          <p:cNvPr id="5" name="图片 4">
+            <a:extLst>
+              <a:ext uri="{FF2B5EF4-FFF2-40B4-BE49-F238E27FC236}">
+                <a16:creationId xmlns:a16="http://schemas.microsoft.com/office/drawing/2014/main" id="{9DE08A72-A5FC-4E9F-AC6F-DF67494F1E44}"/>
+              </a:ext>
+            </a:extLst>
+          </p:cNvPr>
+          <p:cNvPicPr>
+            <a:picLocks noChangeAspect="1"/>
+          </p:cNvPicPr>
+          <p:nvPr/>
+        </p:nvPicPr>
+        <p:blipFill rotWithShape="1">
+          <a:blip r:embed="rId2" cstate="print">
+            <a:extLst>
+              <a:ext uri="{28A0092B-C50C-407E-A947-70E740481C1C}">
+                <a14:useLocalDpi xmlns:a14="http://schemas.microsoft.com/office/drawing/2010/main" val="0"/>
+              </a:ext>
+            </a:extLst>
+          </a:blip>
+          <a:srcRect l="-133" t="2607" r="-1" b="5694"/>
+          <a:stretch/>
+        </p:blipFill>
+        <p:spPr>
+          <a:xfrm>
+            <a:off x="1705292" y="2087429"/>
+            <a:ext cx="8781415" cy="4523418"/>
+          </a:xfrm>
+          <a:prstGeom prst="rect">
+            <a:avLst/>
+          </a:prstGeom>
+        </p:spPr>
+      </p:pic>
+    </p:spTree>
+    <p:extLst>
+      <p:ext uri="{BB962C8B-B14F-4D97-AF65-F5344CB8AC3E}">
+        <p14:creationId xmlns:p14="http://schemas.microsoft.com/office/powerpoint/2010/main" val="2616449934"/>
+      </p:ext>
+    </p:extLst>
+  </p:cSld>
+  <p:clrMapOvr>
+    <a:masterClrMapping/>
+  </p:clrMapOvr>
+</p:sld>
+</file>
+
+<file path=ppt/slides/slide8.xml><?xml version="1.0" encoding="utf-8"?>
 <p:sld xmlns:a="http://schemas.openxmlformats.org/drawingml/2006/main" xmlns:r="http://schemas.openxmlformats.org/officeDocument/2006/relationships" xmlns:p="http://schemas.openxmlformats.org/presentationml/2006/main">
   <p:cSld>
     <p:spTree>
